--- a/articles/assets/pptx/ph_with_gg.pptx
+++ b/articles/assets/pptx/ph_with_gg.pptx
@@ -2216,7 +2216,7 @@
       </p:grpSpPr>
       <p:pic xmlns:a="http://schemas.openxmlformats.org/drawingml/2006/main" xmlns:r="http://schemas.openxmlformats.org/officeDocument/2006/relationships" xmlns:p="http://schemas.openxmlformats.org/presentationml/2006/main">
         <p:nvPicPr>
-          <p:cNvPr id="2" name="pic"/>
+          <p:cNvPr id="2" name=""/>
           <p:cNvPicPr/>
           <p:nvPr/>
         </p:nvPicPr>
